--- a/Diagrama.pptx
+++ b/Diagrama.pptx
@@ -104,6 +104,11 @@
       </a:defRPr>
     </a:lvl9pPr>
   </p:defaultTextStyle>
+  <p:extLst>
+    <p:ext uri="{EFAFB233-063F-42B5-8137-9DF3F51BA10A}">
+      <p15:sldGuideLst xmlns:p15="http://schemas.microsoft.com/office/powerpoint/2012/main"/>
+    </p:ext>
+  </p:extLst>
 </p:presentation>
 </file>
 
@@ -256,7 +261,7 @@
           <a:p>
             <a:fld id="{E3DF6F81-38B0-4004-8930-96FB531FC461}" type="datetimeFigureOut">
               <a:rPr lang="es-CO" smtClean="0"/>
-              <a:t>30/08/2021</a:t>
+              <a:t>29/10/2021</a:t>
             </a:fld>
             <a:endParaRPr lang="es-CO"/>
           </a:p>
@@ -456,7 +461,7 @@
           <a:p>
             <a:fld id="{E3DF6F81-38B0-4004-8930-96FB531FC461}" type="datetimeFigureOut">
               <a:rPr lang="es-CO" smtClean="0"/>
-              <a:t>30/08/2021</a:t>
+              <a:t>29/10/2021</a:t>
             </a:fld>
             <a:endParaRPr lang="es-CO"/>
           </a:p>
@@ -666,7 +671,7 @@
           <a:p>
             <a:fld id="{E3DF6F81-38B0-4004-8930-96FB531FC461}" type="datetimeFigureOut">
               <a:rPr lang="es-CO" smtClean="0"/>
-              <a:t>30/08/2021</a:t>
+              <a:t>29/10/2021</a:t>
             </a:fld>
             <a:endParaRPr lang="es-CO"/>
           </a:p>
@@ -866,7 +871,7 @@
           <a:p>
             <a:fld id="{E3DF6F81-38B0-4004-8930-96FB531FC461}" type="datetimeFigureOut">
               <a:rPr lang="es-CO" smtClean="0"/>
-              <a:t>30/08/2021</a:t>
+              <a:t>29/10/2021</a:t>
             </a:fld>
             <a:endParaRPr lang="es-CO"/>
           </a:p>
@@ -1142,7 +1147,7 @@
           <a:p>
             <a:fld id="{E3DF6F81-38B0-4004-8930-96FB531FC461}" type="datetimeFigureOut">
               <a:rPr lang="es-CO" smtClean="0"/>
-              <a:t>30/08/2021</a:t>
+              <a:t>29/10/2021</a:t>
             </a:fld>
             <a:endParaRPr lang="es-CO"/>
           </a:p>
@@ -1410,7 +1415,7 @@
           <a:p>
             <a:fld id="{E3DF6F81-38B0-4004-8930-96FB531FC461}" type="datetimeFigureOut">
               <a:rPr lang="es-CO" smtClean="0"/>
-              <a:t>30/08/2021</a:t>
+              <a:t>29/10/2021</a:t>
             </a:fld>
             <a:endParaRPr lang="es-CO"/>
           </a:p>
@@ -1825,7 +1830,7 @@
           <a:p>
             <a:fld id="{E3DF6F81-38B0-4004-8930-96FB531FC461}" type="datetimeFigureOut">
               <a:rPr lang="es-CO" smtClean="0"/>
-              <a:t>30/08/2021</a:t>
+              <a:t>29/10/2021</a:t>
             </a:fld>
             <a:endParaRPr lang="es-CO"/>
           </a:p>
@@ -1967,7 +1972,7 @@
           <a:p>
             <a:fld id="{E3DF6F81-38B0-4004-8930-96FB531FC461}" type="datetimeFigureOut">
               <a:rPr lang="es-CO" smtClean="0"/>
-              <a:t>30/08/2021</a:t>
+              <a:t>29/10/2021</a:t>
             </a:fld>
             <a:endParaRPr lang="es-CO"/>
           </a:p>
@@ -2080,7 +2085,7 @@
           <a:p>
             <a:fld id="{E3DF6F81-38B0-4004-8930-96FB531FC461}" type="datetimeFigureOut">
               <a:rPr lang="es-CO" smtClean="0"/>
-              <a:t>30/08/2021</a:t>
+              <a:t>29/10/2021</a:t>
             </a:fld>
             <a:endParaRPr lang="es-CO"/>
           </a:p>
@@ -2393,7 +2398,7 @@
           <a:p>
             <a:fld id="{E3DF6F81-38B0-4004-8930-96FB531FC461}" type="datetimeFigureOut">
               <a:rPr lang="es-CO" smtClean="0"/>
-              <a:t>30/08/2021</a:t>
+              <a:t>29/10/2021</a:t>
             </a:fld>
             <a:endParaRPr lang="es-CO"/>
           </a:p>
@@ -2682,7 +2687,7 @@
           <a:p>
             <a:fld id="{E3DF6F81-38B0-4004-8930-96FB531FC461}" type="datetimeFigureOut">
               <a:rPr lang="es-CO" smtClean="0"/>
-              <a:t>30/08/2021</a:t>
+              <a:t>29/10/2021</a:t>
             </a:fld>
             <a:endParaRPr lang="es-CO"/>
           </a:p>
@@ -2925,7 +2930,7 @@
           <a:p>
             <a:fld id="{E3DF6F81-38B0-4004-8930-96FB531FC461}" type="datetimeFigureOut">
               <a:rPr lang="es-CO" smtClean="0"/>
-              <a:t>30/08/2021</a:t>
+              <a:t>29/10/2021</a:t>
             </a:fld>
             <a:endParaRPr lang="es-CO"/>
           </a:p>
@@ -3654,7 +3659,7 @@
         </p:nvSpPr>
         <p:spPr>
           <a:xfrm>
-            <a:off x="4312432" y="2191862"/>
+            <a:off x="4375704" y="2223764"/>
             <a:ext cx="1516380" cy="1107996"/>
           </a:xfrm>
           <a:prstGeom prst="rect">
@@ -3979,6 +3984,577 @@
           </a:fontRef>
         </p:style>
       </p:cxnSp>
+      <p:sp>
+        <p:nvSpPr>
+          <p:cNvPr id="19" name="CuadroTexto 18">
+            <a:extLst>
+              <a:ext uri="{FF2B5EF4-FFF2-40B4-BE49-F238E27FC236}">
+                <a16:creationId xmlns:a16="http://schemas.microsoft.com/office/drawing/2014/main" id="{E9862B21-F0C1-4170-B64B-7D3C76C7BA76}"/>
+              </a:ext>
+            </a:extLst>
+          </p:cNvPr>
+          <p:cNvSpPr txBox="1"/>
+          <p:nvPr/>
+        </p:nvSpPr>
+        <p:spPr>
+          <a:xfrm>
+            <a:off x="1256423" y="4748358"/>
+            <a:ext cx="647934" cy="276999"/>
+          </a:xfrm>
+          <a:prstGeom prst="rect">
+            <a:avLst/>
+          </a:prstGeom>
+          <a:noFill/>
+        </p:spPr>
+        <p:txBody>
+          <a:bodyPr wrap="square" rtlCol="0">
+            <a:spAutoFit/>
+          </a:bodyPr>
+          <a:lstStyle/>
+          <a:p>
+            <a:r>
+              <a:rPr lang="es-ES" sz="1200" dirty="0">
+                <a:latin typeface="Times New Roman" panose="02020603050405020304" pitchFamily="18" charset="0"/>
+                <a:cs typeface="Times New Roman" panose="02020603050405020304" pitchFamily="18" charset="0"/>
+              </a:rPr>
+              <a:t>Imagen</a:t>
+            </a:r>
+            <a:endParaRPr lang="es-CO" sz="1200" dirty="0">
+              <a:latin typeface="Times New Roman" panose="02020603050405020304" pitchFamily="18" charset="0"/>
+              <a:cs typeface="Times New Roman" panose="02020603050405020304" pitchFamily="18" charset="0"/>
+            </a:endParaRPr>
+          </a:p>
+        </p:txBody>
+      </p:sp>
+      <p:sp>
+        <p:nvSpPr>
+          <p:cNvPr id="20" name="Rectángulo 19">
+            <a:extLst>
+              <a:ext uri="{FF2B5EF4-FFF2-40B4-BE49-F238E27FC236}">
+                <a16:creationId xmlns:a16="http://schemas.microsoft.com/office/drawing/2014/main" id="{3EE4F0E8-FB6A-40DF-8E97-41AC34024526}"/>
+              </a:ext>
+            </a:extLst>
+          </p:cNvPr>
+          <p:cNvSpPr/>
+          <p:nvPr/>
+        </p:nvSpPr>
+        <p:spPr>
+          <a:xfrm>
+            <a:off x="2242848" y="4373429"/>
+            <a:ext cx="1251751" cy="1091954"/>
+          </a:xfrm>
+          <a:prstGeom prst="rect">
+            <a:avLst/>
+          </a:prstGeom>
+          <a:ln w="28575"/>
+        </p:spPr>
+        <p:style>
+          <a:lnRef idx="2">
+            <a:schemeClr val="dk1"/>
+          </a:lnRef>
+          <a:fillRef idx="1">
+            <a:schemeClr val="lt1"/>
+          </a:fillRef>
+          <a:effectRef idx="0">
+            <a:schemeClr val="dk1"/>
+          </a:effectRef>
+          <a:fontRef idx="minor">
+            <a:schemeClr val="dk1"/>
+          </a:fontRef>
+        </p:style>
+        <p:txBody>
+          <a:bodyPr rtlCol="0" anchor="ctr"/>
+          <a:lstStyle/>
+          <a:p>
+            <a:pPr algn="ctr"/>
+            <a:endParaRPr lang="es-CO" sz="1200">
+              <a:latin typeface="Times New Roman" panose="02020603050405020304" pitchFamily="18" charset="0"/>
+              <a:cs typeface="Times New Roman" panose="02020603050405020304" pitchFamily="18" charset="0"/>
+            </a:endParaRPr>
+          </a:p>
+        </p:txBody>
+      </p:sp>
+      <p:cxnSp>
+        <p:nvCxnSpPr>
+          <p:cNvPr id="21" name="Conector recto de flecha 20">
+            <a:extLst>
+              <a:ext uri="{FF2B5EF4-FFF2-40B4-BE49-F238E27FC236}">
+                <a16:creationId xmlns:a16="http://schemas.microsoft.com/office/drawing/2014/main" id="{7852890C-458B-4C83-BC9F-540863605AAD}"/>
+              </a:ext>
+            </a:extLst>
+          </p:cNvPr>
+          <p:cNvCxnSpPr/>
+          <p:nvPr/>
+        </p:nvCxnSpPr>
+        <p:spPr>
+          <a:xfrm>
+            <a:off x="1904357" y="4911387"/>
+            <a:ext cx="207264" cy="0"/>
+          </a:xfrm>
+          <a:prstGeom prst="straightConnector1">
+            <a:avLst/>
+          </a:prstGeom>
+          <a:ln>
+            <a:tailEnd type="triangle"/>
+          </a:ln>
+        </p:spPr>
+        <p:style>
+          <a:lnRef idx="3">
+            <a:schemeClr val="dk1"/>
+          </a:lnRef>
+          <a:fillRef idx="0">
+            <a:schemeClr val="dk1"/>
+          </a:fillRef>
+          <a:effectRef idx="2">
+            <a:schemeClr val="dk1"/>
+          </a:effectRef>
+          <a:fontRef idx="minor">
+            <a:schemeClr val="tx1"/>
+          </a:fontRef>
+        </p:style>
+      </p:cxnSp>
+      <p:sp>
+        <p:nvSpPr>
+          <p:cNvPr id="22" name="CuadroTexto 21">
+            <a:extLst>
+              <a:ext uri="{FF2B5EF4-FFF2-40B4-BE49-F238E27FC236}">
+                <a16:creationId xmlns:a16="http://schemas.microsoft.com/office/drawing/2014/main" id="{48F2E8B2-34C4-4722-BCEC-62537586C68B}"/>
+              </a:ext>
+            </a:extLst>
+          </p:cNvPr>
+          <p:cNvSpPr txBox="1"/>
+          <p:nvPr/>
+        </p:nvSpPr>
+        <p:spPr>
+          <a:xfrm>
+            <a:off x="2327179" y="4703963"/>
+            <a:ext cx="1139432" cy="600164"/>
+          </a:xfrm>
+          <a:prstGeom prst="rect">
+            <a:avLst/>
+          </a:prstGeom>
+          <a:noFill/>
+        </p:spPr>
+        <p:txBody>
+          <a:bodyPr wrap="square" rtlCol="0">
+            <a:spAutoFit/>
+          </a:bodyPr>
+          <a:lstStyle/>
+          <a:p>
+            <a:r>
+              <a:rPr lang="es-ES" sz="1100" dirty="0">
+                <a:latin typeface="Times New Roman" panose="02020603050405020304" pitchFamily="18" charset="0"/>
+                <a:cs typeface="Times New Roman" panose="02020603050405020304" pitchFamily="18" charset="0"/>
+              </a:rPr>
+              <a:t>Segmentación</a:t>
+            </a:r>
+          </a:p>
+          <a:p>
+            <a:r>
+              <a:rPr lang="es-ES" sz="1100" dirty="0">
+                <a:latin typeface="Times New Roman" panose="02020603050405020304" pitchFamily="18" charset="0"/>
+                <a:cs typeface="Times New Roman" panose="02020603050405020304" pitchFamily="18" charset="0"/>
+              </a:rPr>
+              <a:t>Maleta</a:t>
+            </a:r>
+          </a:p>
+          <a:p>
+            <a:endParaRPr lang="es-ES" sz="1100" dirty="0">
+              <a:latin typeface="Times New Roman" panose="02020603050405020304" pitchFamily="18" charset="0"/>
+              <a:cs typeface="Times New Roman" panose="02020603050405020304" pitchFamily="18" charset="0"/>
+            </a:endParaRPr>
+          </a:p>
+        </p:txBody>
+      </p:sp>
+      <p:cxnSp>
+        <p:nvCxnSpPr>
+          <p:cNvPr id="23" name="Conector recto de flecha 22">
+            <a:extLst>
+              <a:ext uri="{FF2B5EF4-FFF2-40B4-BE49-F238E27FC236}">
+                <a16:creationId xmlns:a16="http://schemas.microsoft.com/office/drawing/2014/main" id="{9F742E69-AED1-4CCE-A0A1-0C56B726ACD1}"/>
+              </a:ext>
+            </a:extLst>
+          </p:cNvPr>
+          <p:cNvCxnSpPr/>
+          <p:nvPr/>
+        </p:nvCxnSpPr>
+        <p:spPr>
+          <a:xfrm>
+            <a:off x="3583716" y="4886857"/>
+            <a:ext cx="207264" cy="0"/>
+          </a:xfrm>
+          <a:prstGeom prst="straightConnector1">
+            <a:avLst/>
+          </a:prstGeom>
+          <a:ln>
+            <a:tailEnd type="triangle"/>
+          </a:ln>
+        </p:spPr>
+        <p:style>
+          <a:lnRef idx="3">
+            <a:schemeClr val="dk1"/>
+          </a:lnRef>
+          <a:fillRef idx="0">
+            <a:schemeClr val="dk1"/>
+          </a:fillRef>
+          <a:effectRef idx="2">
+            <a:schemeClr val="dk1"/>
+          </a:effectRef>
+          <a:fontRef idx="minor">
+            <a:schemeClr val="tx1"/>
+          </a:fontRef>
+        </p:style>
+      </p:cxnSp>
+      <p:sp>
+        <p:nvSpPr>
+          <p:cNvPr id="24" name="Rectángulo 23">
+            <a:extLst>
+              <a:ext uri="{FF2B5EF4-FFF2-40B4-BE49-F238E27FC236}">
+                <a16:creationId xmlns:a16="http://schemas.microsoft.com/office/drawing/2014/main" id="{1CED8096-0240-473C-8281-D5FAD684F4F1}"/>
+              </a:ext>
+            </a:extLst>
+          </p:cNvPr>
+          <p:cNvSpPr/>
+          <p:nvPr/>
+        </p:nvSpPr>
+        <p:spPr>
+          <a:xfrm>
+            <a:off x="3833090" y="4373429"/>
+            <a:ext cx="1251751" cy="1091954"/>
+          </a:xfrm>
+          <a:prstGeom prst="rect">
+            <a:avLst/>
+          </a:prstGeom>
+          <a:ln w="28575"/>
+        </p:spPr>
+        <p:style>
+          <a:lnRef idx="2">
+            <a:schemeClr val="dk1"/>
+          </a:lnRef>
+          <a:fillRef idx="1">
+            <a:schemeClr val="lt1"/>
+          </a:fillRef>
+          <a:effectRef idx="0">
+            <a:schemeClr val="dk1"/>
+          </a:effectRef>
+          <a:fontRef idx="minor">
+            <a:schemeClr val="dk1"/>
+          </a:fontRef>
+        </p:style>
+        <p:txBody>
+          <a:bodyPr rtlCol="0" anchor="ctr"/>
+          <a:lstStyle/>
+          <a:p>
+            <a:pPr algn="ctr"/>
+            <a:endParaRPr lang="es-CO" sz="1200" dirty="0">
+              <a:latin typeface="Times New Roman" panose="02020603050405020304" pitchFamily="18" charset="0"/>
+              <a:cs typeface="Times New Roman" panose="02020603050405020304" pitchFamily="18" charset="0"/>
+            </a:endParaRPr>
+          </a:p>
+        </p:txBody>
+      </p:sp>
+      <p:sp>
+        <p:nvSpPr>
+          <p:cNvPr id="25" name="CuadroTexto 24">
+            <a:extLst>
+              <a:ext uri="{FF2B5EF4-FFF2-40B4-BE49-F238E27FC236}">
+                <a16:creationId xmlns:a16="http://schemas.microsoft.com/office/drawing/2014/main" id="{FE5A08AC-6348-4DF7-909C-6BC6BB4BE025}"/>
+              </a:ext>
+            </a:extLst>
+          </p:cNvPr>
+          <p:cNvSpPr txBox="1"/>
+          <p:nvPr/>
+        </p:nvSpPr>
+        <p:spPr>
+          <a:xfrm>
+            <a:off x="3862837" y="4758995"/>
+            <a:ext cx="1192256" cy="261610"/>
+          </a:xfrm>
+          <a:prstGeom prst="rect">
+            <a:avLst/>
+          </a:prstGeom>
+          <a:noFill/>
+        </p:spPr>
+        <p:txBody>
+          <a:bodyPr wrap="square" rtlCol="0">
+            <a:spAutoFit/>
+          </a:bodyPr>
+          <a:lstStyle/>
+          <a:p>
+            <a:r>
+              <a:rPr lang="es-ES" sz="1100" dirty="0">
+                <a:latin typeface="Times New Roman" panose="02020603050405020304" pitchFamily="18" charset="0"/>
+                <a:cs typeface="Times New Roman" panose="02020603050405020304" pitchFamily="18" charset="0"/>
+              </a:rPr>
+              <a:t>Detección bordes</a:t>
+            </a:r>
+            <a:endParaRPr lang="es-CO" sz="1100" dirty="0">
+              <a:latin typeface="Times New Roman" panose="02020603050405020304" pitchFamily="18" charset="0"/>
+              <a:cs typeface="Times New Roman" panose="02020603050405020304" pitchFamily="18" charset="0"/>
+            </a:endParaRPr>
+          </a:p>
+        </p:txBody>
+      </p:sp>
+      <p:cxnSp>
+        <p:nvCxnSpPr>
+          <p:cNvPr id="26" name="Conector recto de flecha 25">
+            <a:extLst>
+              <a:ext uri="{FF2B5EF4-FFF2-40B4-BE49-F238E27FC236}">
+                <a16:creationId xmlns:a16="http://schemas.microsoft.com/office/drawing/2014/main" id="{83418BCD-F09A-48E7-9514-AF798239789F}"/>
+              </a:ext>
+            </a:extLst>
+          </p:cNvPr>
+          <p:cNvCxnSpPr/>
+          <p:nvPr/>
+        </p:nvCxnSpPr>
+        <p:spPr>
+          <a:xfrm>
+            <a:off x="5133894" y="4899250"/>
+            <a:ext cx="207264" cy="0"/>
+          </a:xfrm>
+          <a:prstGeom prst="straightConnector1">
+            <a:avLst/>
+          </a:prstGeom>
+          <a:ln>
+            <a:tailEnd type="triangle"/>
+          </a:ln>
+        </p:spPr>
+        <p:style>
+          <a:lnRef idx="3">
+            <a:schemeClr val="dk1"/>
+          </a:lnRef>
+          <a:fillRef idx="0">
+            <a:schemeClr val="dk1"/>
+          </a:fillRef>
+          <a:effectRef idx="2">
+            <a:schemeClr val="dk1"/>
+          </a:effectRef>
+          <a:fontRef idx="minor">
+            <a:schemeClr val="tx1"/>
+          </a:fontRef>
+        </p:style>
+      </p:cxnSp>
+      <p:sp>
+        <p:nvSpPr>
+          <p:cNvPr id="27" name="Rectángulo 26">
+            <a:extLst>
+              <a:ext uri="{FF2B5EF4-FFF2-40B4-BE49-F238E27FC236}">
+                <a16:creationId xmlns:a16="http://schemas.microsoft.com/office/drawing/2014/main" id="{A880DD8D-0943-42A0-AACB-E2E4E6F28039}"/>
+              </a:ext>
+            </a:extLst>
+          </p:cNvPr>
+          <p:cNvSpPr/>
+          <p:nvPr/>
+        </p:nvSpPr>
+        <p:spPr>
+          <a:xfrm>
+            <a:off x="5362271" y="4365410"/>
+            <a:ext cx="1251751" cy="1091954"/>
+          </a:xfrm>
+          <a:prstGeom prst="rect">
+            <a:avLst/>
+          </a:prstGeom>
+          <a:ln w="28575"/>
+        </p:spPr>
+        <p:style>
+          <a:lnRef idx="2">
+            <a:schemeClr val="dk1"/>
+          </a:lnRef>
+          <a:fillRef idx="1">
+            <a:schemeClr val="lt1"/>
+          </a:fillRef>
+          <a:effectRef idx="0">
+            <a:schemeClr val="dk1"/>
+          </a:effectRef>
+          <a:fontRef idx="minor">
+            <a:schemeClr val="dk1"/>
+          </a:fontRef>
+        </p:style>
+        <p:txBody>
+          <a:bodyPr rtlCol="0" anchor="ctr"/>
+          <a:lstStyle/>
+          <a:p>
+            <a:pPr algn="ctr"/>
+            <a:r>
+              <a:rPr lang="es-ES" dirty="0"/>
+              <a:t> </a:t>
+            </a:r>
+            <a:endParaRPr lang="es-CO" dirty="0"/>
+          </a:p>
+        </p:txBody>
+      </p:sp>
+      <p:sp>
+        <p:nvSpPr>
+          <p:cNvPr id="28" name="CuadroTexto 27">
+            <a:extLst>
+              <a:ext uri="{FF2B5EF4-FFF2-40B4-BE49-F238E27FC236}">
+                <a16:creationId xmlns:a16="http://schemas.microsoft.com/office/drawing/2014/main" id="{C753A54F-3BB6-42DB-BBA6-B863449F32FA}"/>
+              </a:ext>
+            </a:extLst>
+          </p:cNvPr>
+          <p:cNvSpPr txBox="1"/>
+          <p:nvPr/>
+        </p:nvSpPr>
+        <p:spPr>
+          <a:xfrm>
+            <a:off x="5499872" y="4705147"/>
+            <a:ext cx="1192256" cy="430887"/>
+          </a:xfrm>
+          <a:prstGeom prst="rect">
+            <a:avLst/>
+          </a:prstGeom>
+          <a:noFill/>
+        </p:spPr>
+        <p:txBody>
+          <a:bodyPr wrap="square" rtlCol="0">
+            <a:spAutoFit/>
+          </a:bodyPr>
+          <a:lstStyle/>
+          <a:p>
+            <a:r>
+              <a:rPr lang="es-ES" sz="1100" dirty="0">
+                <a:latin typeface="Times New Roman" panose="02020603050405020304" pitchFamily="18" charset="0"/>
+                <a:cs typeface="Times New Roman" panose="02020603050405020304" pitchFamily="18" charset="0"/>
+              </a:rPr>
+              <a:t>Descripción bordes</a:t>
+            </a:r>
+            <a:endParaRPr lang="es-CO" sz="1100" dirty="0">
+              <a:latin typeface="Times New Roman" panose="02020603050405020304" pitchFamily="18" charset="0"/>
+              <a:cs typeface="Times New Roman" panose="02020603050405020304" pitchFamily="18" charset="0"/>
+            </a:endParaRPr>
+          </a:p>
+        </p:txBody>
+      </p:sp>
+      <p:sp>
+        <p:nvSpPr>
+          <p:cNvPr id="29" name="Rectángulo 28">
+            <a:extLst>
+              <a:ext uri="{FF2B5EF4-FFF2-40B4-BE49-F238E27FC236}">
+                <a16:creationId xmlns:a16="http://schemas.microsoft.com/office/drawing/2014/main" id="{A170708A-3EB5-42CF-A31B-A7296B2906A3}"/>
+              </a:ext>
+            </a:extLst>
+          </p:cNvPr>
+          <p:cNvSpPr/>
+          <p:nvPr/>
+        </p:nvSpPr>
+        <p:spPr>
+          <a:xfrm>
+            <a:off x="6934946" y="4353273"/>
+            <a:ext cx="1251751" cy="1091954"/>
+          </a:xfrm>
+          <a:prstGeom prst="rect">
+            <a:avLst/>
+          </a:prstGeom>
+          <a:ln w="28575"/>
+        </p:spPr>
+        <p:style>
+          <a:lnRef idx="2">
+            <a:schemeClr val="dk1"/>
+          </a:lnRef>
+          <a:fillRef idx="1">
+            <a:schemeClr val="lt1"/>
+          </a:fillRef>
+          <a:effectRef idx="0">
+            <a:schemeClr val="dk1"/>
+          </a:effectRef>
+          <a:fontRef idx="minor">
+            <a:schemeClr val="dk1"/>
+          </a:fontRef>
+        </p:style>
+        <p:txBody>
+          <a:bodyPr rtlCol="0" anchor="ctr"/>
+          <a:lstStyle/>
+          <a:p>
+            <a:pPr algn="ctr"/>
+            <a:r>
+              <a:rPr lang="es-ES" dirty="0"/>
+              <a:t> </a:t>
+            </a:r>
+            <a:endParaRPr lang="es-CO" dirty="0"/>
+          </a:p>
+        </p:txBody>
+      </p:sp>
+      <p:cxnSp>
+        <p:nvCxnSpPr>
+          <p:cNvPr id="30" name="Conector recto de flecha 29">
+            <a:extLst>
+              <a:ext uri="{FF2B5EF4-FFF2-40B4-BE49-F238E27FC236}">
+                <a16:creationId xmlns:a16="http://schemas.microsoft.com/office/drawing/2014/main" id="{3897A826-7F2A-4CEE-8E5B-1F4A50C9BB53}"/>
+              </a:ext>
+            </a:extLst>
+          </p:cNvPr>
+          <p:cNvCxnSpPr/>
+          <p:nvPr/>
+        </p:nvCxnSpPr>
+        <p:spPr>
+          <a:xfrm>
+            <a:off x="6692128" y="4928162"/>
+            <a:ext cx="207264" cy="0"/>
+          </a:xfrm>
+          <a:prstGeom prst="straightConnector1">
+            <a:avLst/>
+          </a:prstGeom>
+          <a:ln>
+            <a:tailEnd type="triangle"/>
+          </a:ln>
+        </p:spPr>
+        <p:style>
+          <a:lnRef idx="3">
+            <a:schemeClr val="dk1"/>
+          </a:lnRef>
+          <a:fillRef idx="0">
+            <a:schemeClr val="dk1"/>
+          </a:fillRef>
+          <a:effectRef idx="2">
+            <a:schemeClr val="dk1"/>
+          </a:effectRef>
+          <a:fontRef idx="minor">
+            <a:schemeClr val="tx1"/>
+          </a:fontRef>
+        </p:style>
+      </p:cxnSp>
+      <p:sp>
+        <p:nvSpPr>
+          <p:cNvPr id="31" name="CuadroTexto 30">
+            <a:extLst>
+              <a:ext uri="{FF2B5EF4-FFF2-40B4-BE49-F238E27FC236}">
+                <a16:creationId xmlns:a16="http://schemas.microsoft.com/office/drawing/2014/main" id="{AF19D0CD-68C1-4DD2-B2BC-0F448418FA5B}"/>
+              </a:ext>
+            </a:extLst>
+          </p:cNvPr>
+          <p:cNvSpPr txBox="1"/>
+          <p:nvPr/>
+        </p:nvSpPr>
+        <p:spPr>
+          <a:xfrm>
+            <a:off x="7036688" y="4758995"/>
+            <a:ext cx="1006481" cy="276999"/>
+          </a:xfrm>
+          <a:prstGeom prst="rect">
+            <a:avLst/>
+          </a:prstGeom>
+          <a:noFill/>
+        </p:spPr>
+        <p:txBody>
+          <a:bodyPr wrap="square" rtlCol="0">
+            <a:spAutoFit/>
+          </a:bodyPr>
+          <a:lstStyle/>
+          <a:p>
+            <a:r>
+              <a:rPr lang="es-ES" sz="1200" dirty="0">
+                <a:latin typeface="Times New Roman" panose="02020603050405020304" pitchFamily="18" charset="0"/>
+                <a:cs typeface="Times New Roman" panose="02020603050405020304" pitchFamily="18" charset="0"/>
+              </a:rPr>
+              <a:t>Clasificación</a:t>
+            </a:r>
+            <a:endParaRPr lang="es-CO" sz="1200" dirty="0">
+              <a:latin typeface="Times New Roman" panose="02020603050405020304" pitchFamily="18" charset="0"/>
+              <a:cs typeface="Times New Roman" panose="02020603050405020304" pitchFamily="18" charset="0"/>
+            </a:endParaRPr>
+          </a:p>
+        </p:txBody>
+      </p:sp>
     </p:spTree>
     <p:extLst>
       <p:ext uri="{BB962C8B-B14F-4D97-AF65-F5344CB8AC3E}">
